--- a/report/cs6216_slides_v1.2.pptx
+++ b/report/cs6216_slides_v1.2.pptx
@@ -227,7 +227,7 @@
           <a:p>
             <a:fld id="{A8925AE6-CD04-4C7E-91F5-B8F37F2D151A}" type="datetimeFigureOut">
               <a:rPr lang="en-US" smtClean="0"/>
-              <a:t>4/18/21</a:t>
+              <a:t>4/18/2021</a:t>
             </a:fld>
             <a:endParaRPr lang="en-US" dirty="0"/>
           </a:p>
@@ -641,7 +641,7 @@
           <a:p>
             <a:fld id="{40DF33AE-8D1A-4CC6-9AB8-95CD8E0E88E0}" type="datetime1">
               <a:rPr lang="en-US" smtClean="0"/>
-              <a:t>4/18/21</a:t>
+              <a:t>4/18/2021</a:t>
             </a:fld>
             <a:endParaRPr lang="en-US" dirty="0"/>
           </a:p>
@@ -839,7 +839,7 @@
           <a:p>
             <a:fld id="{7A421C39-9DC3-482D-BFBA-B037B20CB665}" type="datetime1">
               <a:rPr lang="en-US" smtClean="0"/>
-              <a:t>4/18/21</a:t>
+              <a:t>4/18/2021</a:t>
             </a:fld>
             <a:endParaRPr lang="en-US" dirty="0"/>
           </a:p>
@@ -1047,7 +1047,7 @@
           <a:p>
             <a:fld id="{73ED6DC6-09BC-46FE-8C9B-08CA866C458E}" type="datetime1">
               <a:rPr lang="en-US" smtClean="0"/>
-              <a:t>4/18/21</a:t>
+              <a:t>4/18/2021</a:t>
             </a:fld>
             <a:endParaRPr lang="en-US" dirty="0"/>
           </a:p>
@@ -1245,7 +1245,7 @@
           <a:p>
             <a:fld id="{2B4B69C9-1A7E-4AF1-AAF2-DE73903E5027}" type="datetime1">
               <a:rPr lang="en-US" smtClean="0"/>
-              <a:t>4/18/21</a:t>
+              <a:t>4/18/2021</a:t>
             </a:fld>
             <a:endParaRPr lang="en-US" dirty="0"/>
           </a:p>
@@ -1520,7 +1520,7 @@
           <a:p>
             <a:fld id="{0A4DB4CF-EC1D-49B2-9A08-5FA8063CD5BC}" type="datetime1">
               <a:rPr lang="en-US" smtClean="0"/>
-              <a:t>4/18/21</a:t>
+              <a:t>4/18/2021</a:t>
             </a:fld>
             <a:endParaRPr lang="en-US" dirty="0"/>
           </a:p>
@@ -1785,7 +1785,7 @@
           <a:p>
             <a:fld id="{4DBACEAE-B7C6-4494-83A5-56E540E1C7CC}" type="datetime1">
               <a:rPr lang="en-US" smtClean="0"/>
-              <a:t>4/18/21</a:t>
+              <a:t>4/18/2021</a:t>
             </a:fld>
             <a:endParaRPr lang="en-US" dirty="0"/>
           </a:p>
@@ -2197,7 +2197,7 @@
           <a:p>
             <a:fld id="{5ABCAEC5-9BD3-4F0F-B31D-9BB0AD51428D}" type="datetime1">
               <a:rPr lang="en-US" smtClean="0"/>
-              <a:t>4/18/21</a:t>
+              <a:t>4/18/2021</a:t>
             </a:fld>
             <a:endParaRPr lang="en-US" dirty="0"/>
           </a:p>
@@ -2338,7 +2338,7 @@
           <a:p>
             <a:fld id="{D76E0F86-0FBE-4D13-8299-FFD3E557BE9B}" type="datetime1">
               <a:rPr lang="en-US" smtClean="0"/>
-              <a:t>4/18/21</a:t>
+              <a:t>4/18/2021</a:t>
             </a:fld>
             <a:endParaRPr lang="en-US" dirty="0"/>
           </a:p>
@@ -2451,7 +2451,7 @@
           <a:p>
             <a:fld id="{2332A655-3C17-40C8-AE56-2FE6744D120D}" type="datetime1">
               <a:rPr lang="en-US" smtClean="0"/>
-              <a:t>4/18/21</a:t>
+              <a:t>4/18/2021</a:t>
             </a:fld>
             <a:endParaRPr lang="en-US" dirty="0"/>
           </a:p>
@@ -2762,7 +2762,7 @@
           <a:p>
             <a:fld id="{9DAC1F74-C073-4A10-8D6F-127DF07F1CBF}" type="datetime1">
               <a:rPr lang="en-US" smtClean="0"/>
-              <a:t>4/18/21</a:t>
+              <a:t>4/18/2021</a:t>
             </a:fld>
             <a:endParaRPr lang="en-US" dirty="0"/>
           </a:p>
@@ -3050,7 +3050,7 @@
           <a:p>
             <a:fld id="{AC775AA8-D02F-4590-B006-4BE42AC5A511}" type="datetime1">
               <a:rPr lang="en-US" smtClean="0"/>
-              <a:t>4/18/21</a:t>
+              <a:t>4/18/2021</a:t>
             </a:fld>
             <a:endParaRPr lang="en-US" dirty="0"/>
           </a:p>
@@ -3291,7 +3291,7 @@
           <a:p>
             <a:fld id="{4544FFAC-0875-41F5-99C5-B17BB1F97299}" type="datetime1">
               <a:rPr lang="en-US" smtClean="0"/>
-              <a:t>4/18/21</a:t>
+              <a:t>4/18/2021</a:t>
             </a:fld>
             <a:endParaRPr lang="en-US" dirty="0"/>
           </a:p>
@@ -4353,7 +4353,7 @@
         </p:nvGraphicFramePr>
         <p:xfrm>
           <a:off x="1362063" y="1736201"/>
-          <a:ext cx="9557029" cy="4409974"/>
+          <a:ext cx="9557029" cy="4409910"/>
         </p:xfrm>
         <a:graphic>
           <a:graphicData uri="http://schemas.openxmlformats.org/drawingml/2006/table">
@@ -7790,7 +7790,23 @@
                   <a:srgbClr val="000000"/>
                 </a:solidFill>
               </a:rPr>
-              <a:t>, Action = </a:t>
+              <a:t>, </a:t>
+            </a:r>
+            <a:r>
+              <a:rPr lang="en-US" altLang="zh-CN" sz="1600" dirty="0">
+                <a:solidFill>
+                  <a:srgbClr val="000000"/>
+                </a:solidFill>
+              </a:rPr>
+              <a:t>Predicate</a:t>
+            </a:r>
+            <a:r>
+              <a:rPr lang="en-US" sz="1600" dirty="0">
+                <a:solidFill>
+                  <a:srgbClr val="000000"/>
+                </a:solidFill>
+              </a:rPr>
+              <a:t> = </a:t>
             </a:r>
             <a:r>
               <a:rPr lang="en-US" sz="1600" i="1" dirty="0">
@@ -8709,8 +8725,8 @@
         </p:nvSpPr>
         <p:spPr>
           <a:xfrm>
-            <a:off x="2210953" y="2121770"/>
-            <a:ext cx="8250756" cy="3154069"/>
+            <a:off x="2072959" y="1748908"/>
+            <a:ext cx="8250756" cy="4262064"/>
           </a:xfrm>
           <a:prstGeom prst="rect">
             <a:avLst/>
@@ -8745,13 +8761,10 @@
               </a:rPr>
               <a:t>filtered</a:t>
             </a:r>
-            <a:r>
-              <a:rPr lang="en-US" sz="2000" dirty="0">
-                <a:latin typeface="Calibri" panose="020F0502020204030204" pitchFamily="34" charset="0"/>
-                <a:cs typeface="Calibri" panose="020F0502020204030204" pitchFamily="34" charset="0"/>
-              </a:rPr>
-              <a:t> because they could not fit tuple</a:t>
-            </a:r>
+            <a:endParaRPr lang="en-US" sz="2000" dirty="0">
+              <a:latin typeface="Calibri" panose="020F0502020204030204" pitchFamily="34" charset="0"/>
+              <a:cs typeface="Calibri" panose="020F0502020204030204" pitchFamily="34" charset="0"/>
+            </a:endParaRPr>
           </a:p>
           <a:p>
             <a:pPr marL="342900" indent="-342900">
@@ -8762,19 +8775,30 @@
               <a:buChar char="•"/>
             </a:pPr>
             <a:r>
-              <a:rPr lang="en-US" dirty="0"/>
-              <a:t>Headlines such as ”What is next for Apple’s board?” were filtered out</a:t>
-            </a:r>
-            <a:endParaRPr lang="en-US" dirty="0">
-              <a:latin typeface="Calibri" panose="020F0502020204030204" pitchFamily="34" charset="0"/>
-              <a:cs typeface="Calibri" panose="020F0502020204030204" pitchFamily="34" charset="0"/>
-            </a:endParaRPr>
-          </a:p>
-          <a:p>
-            <a:pPr>
+              <a:rPr lang="en-US" altLang="zh-CN" dirty="0"/>
+              <a:t>Only News Headline contains company name (e.g. apple) are scalped</a:t>
+            </a:r>
+          </a:p>
+          <a:p>
+            <a:pPr marL="342900" indent="-342900">
               <a:lnSpc>
                 <a:spcPct val="200000"/>
               </a:lnSpc>
+              <a:buFont typeface="Arial" panose="020B0604020202020204" pitchFamily="34" charset="0"/>
+              <a:buChar char="•"/>
+            </a:pPr>
+            <a:r>
+              <a:rPr lang="en-US" altLang="zh-CN" dirty="0"/>
+              <a:t>Large percentage of news headlines are filtered because of poor performance of Reverb in tuple extraction.</a:t>
+            </a:r>
+          </a:p>
+          <a:p>
+            <a:pPr marL="342900" indent="-342900">
+              <a:lnSpc>
+                <a:spcPct val="200000"/>
+              </a:lnSpc>
+              <a:buFont typeface="Arial" panose="020B0604020202020204" pitchFamily="34" charset="0"/>
+              <a:buChar char="•"/>
             </a:pPr>
             <a:endParaRPr lang="en-US" dirty="0">
               <a:latin typeface="Calibri" panose="020F0502020204030204" pitchFamily="34" charset="0"/>

--- a/report/cs6216_slides_v1.2.pptx
+++ b/report/cs6216_slides_v1.2.pptx
@@ -8776,7 +8776,15 @@
             </a:pPr>
             <a:r>
               <a:rPr lang="en-US" altLang="zh-CN" dirty="0"/>
-              <a:t>Only News Headline contains company name (e.g. apple) are scalped</a:t>
+              <a:t>Only News Headline contains company name (e.g. </a:t>
+            </a:r>
+            <a:r>
+              <a:rPr lang="en-US" altLang="zh-CN"/>
+              <a:t>Apple</a:t>
+            </a:r>
+            <a:r>
+              <a:rPr lang="en-US" altLang="zh-CN" dirty="0"/>
+              <a:t>) are scalped</a:t>
             </a:r>
           </a:p>
           <a:p>
